--- a/OpenCV editing.pptx
+++ b/OpenCV editing.pptx
@@ -254,7 +254,7 @@
           <a:p>
             <a:fld id="{CE38AECB-422F-4771-881A-053A7A42D049}" type="datetimeFigureOut">
               <a:rPr lang="en-IN" smtClean="0"/>
-              <a:t>11-11-2023</a:t>
+              <a:t>01-12-2023</a:t>
             </a:fld>
             <a:endParaRPr lang="en-IN" dirty="0"/>
           </a:p>
@@ -2375,7 +2375,7 @@
         </p:nvSpPr>
         <p:spPr>
           <a:xfrm>
-            <a:off x="5207724" y="5548397"/>
+            <a:off x="5369852" y="5213730"/>
             <a:ext cx="7560993" cy="2624586"/>
           </a:xfrm>
         </p:spPr>
